--- a/assets/HackWell-Temp.pptx
+++ b/assets/HackWell-Temp.pptx
@@ -1,33 +1,33 @@
 
 <file path=ppt/presentation.xml><?xml version="1.0" encoding="utf-8"?>
-<p:presentation xmlns:a="http://schemas.openxmlformats.org/drawingml/2006/main" xmlns:r="http://schemas.openxmlformats.org/officeDocument/2006/relationships" xmlns:p="http://schemas.openxmlformats.org/presentationml/2006/main" saveSubsetFonts="1" embedTrueTypeFonts="true">
+<p:presentation xmlns:a="http://schemas.openxmlformats.org/drawingml/2006/main" xmlns:r="http://schemas.openxmlformats.org/officeDocument/2006/relationships" xmlns:p="http://schemas.openxmlformats.org/presentationml/2006/main" embedTrueTypeFonts="1" saveSubsetFonts="1">
   <p:sldMasterIdLst>
     <p:sldMasterId id="2147483648" r:id="rId1"/>
   </p:sldMasterIdLst>
   <p:sldIdLst>
-    <p:sldId id="256" r:id="rId6"/>
-    <p:sldId id="257" r:id="rId7"/>
-    <p:sldId id="258" r:id="rId8"/>
-    <p:sldId id="259" r:id="rId9"/>
-    <p:sldId id="260" r:id="rId10"/>
-    <p:sldId id="261" r:id="rId11"/>
-    <p:sldId id="262" r:id="rId12"/>
-    <p:sldId id="263" r:id="rId13"/>
+    <p:sldId id="256" r:id="rId2"/>
+    <p:sldId id="257" r:id="rId3"/>
+    <p:sldId id="258" r:id="rId4"/>
+    <p:sldId id="259" r:id="rId5"/>
+    <p:sldId id="260" r:id="rId6"/>
+    <p:sldId id="261" r:id="rId7"/>
+    <p:sldId id="262" r:id="rId8"/>
+    <p:sldId id="263" r:id="rId9"/>
   </p:sldIdLst>
   <p:sldSz cx="18288000" cy="10287000"/>
   <p:notesSz cx="6858000" cy="9144000"/>
   <p:embeddedFontLst>
     <p:embeddedFont>
-      <p:font typeface="Lato" charset="1" panose="020F0502020204030203"/>
-      <p:regular r:id="rId14"/>
+      <p:font typeface="Abril Fatface" panose="02000503000000020003" pitchFamily="2" charset="0"/>
+      <p:regular r:id="rId10"/>
     </p:embeddedFont>
     <p:embeddedFont>
-      <p:font typeface="Lato Bold" charset="1" panose="020F0502020204030203"/>
-      <p:regular r:id="rId15"/>
+      <p:font typeface="Lato" panose="020F0502020204030203" pitchFamily="34" charset="0"/>
+      <p:regular r:id="rId11"/>
     </p:embeddedFont>
     <p:embeddedFont>
-      <p:font typeface="Abril Fatface" charset="1" panose="02000503000000020003"/>
-      <p:regular r:id="rId16"/>
+      <p:font typeface="Lato Bold" panose="020B0604020202020204" charset="0"/>
+      <p:regular r:id="rId12"/>
     </p:embeddedFont>
   </p:embeddedFontLst>
   <p:defaultTextStyle>
@@ -125,6 +125,22 @@
       </a:defRPr>
     </a:lvl9pPr>
   </p:defaultTextStyle>
+  <p:extLst>
+    <p:ext uri="{EFAFB233-063F-42B5-8137-9DF3F51BA10A}">
+      <p15:sldGuideLst xmlns:p15="http://schemas.microsoft.com/office/powerpoint/2012/main">
+        <p15:guide id="1" orient="horz" pos="2160">
+          <p15:clr>
+            <a:srgbClr val="A4A3A4"/>
+          </p15:clr>
+        </p15:guide>
+        <p15:guide id="2" pos="2880">
+          <p15:clr>
+            <a:srgbClr val="A4A3A4"/>
+          </p15:clr>
+        </p15:guide>
+      </p15:sldGuideLst>
+    </p:ext>
+  </p:extLst>
 </p:presentation>
 </file>
 
@@ -166,10 +182,9 @@
           <a:lstStyle/>
           <a:p>
             <a:r>
-              <a:rPr lang="en-US" smtClean="0"/>
+              <a:rPr lang="en-US"/>
               <a:t>Click to edit Master title style</a:t>
             </a:r>
-            <a:endParaRPr lang="en-US"/>
           </a:p>
         </p:txBody>
       </p:sp>
@@ -285,10 +300,9 @@
           </a:lstStyle>
           <a:p>
             <a:r>
-              <a:rPr lang="en-US" smtClean="0"/>
+              <a:rPr lang="en-US"/>
               <a:t>Click to edit Master subtitle style</a:t>
             </a:r>
-            <a:endParaRPr lang="en-US"/>
           </a:p>
         </p:txBody>
       </p:sp>
@@ -310,7 +324,7 @@
             <a:fld id="{1D8BD707-D9CF-40AE-B4C6-C98DA3205C09}" type="datetimeFigureOut">
               <a:rPr lang="en-US" smtClean="0"/>
               <a:pPr/>
-              <a:t>8/1/2011</a:t>
+              <a:t>2/5/2026</a:t>
             </a:fld>
             <a:endParaRPr lang="en-US"/>
           </a:p>
@@ -400,10 +414,9 @@
           <a:lstStyle/>
           <a:p>
             <a:r>
-              <a:rPr lang="en-US" smtClean="0"/>
+              <a:rPr lang="en-US"/>
               <a:t>Click to edit Master title style</a:t>
             </a:r>
-            <a:endParaRPr lang="en-US"/>
           </a:p>
         </p:txBody>
       </p:sp>
@@ -424,38 +437,37 @@
           <a:p>
             <a:pPr lvl="0"/>
             <a:r>
-              <a:rPr lang="en-US" smtClean="0"/>
+              <a:rPr lang="en-US"/>
               <a:t>Click to edit Master text styles</a:t>
             </a:r>
           </a:p>
           <a:p>
             <a:pPr lvl="1"/>
             <a:r>
-              <a:rPr lang="en-US" smtClean="0"/>
+              <a:rPr lang="en-US"/>
               <a:t>Second level</a:t>
             </a:r>
           </a:p>
           <a:p>
             <a:pPr lvl="2"/>
             <a:r>
-              <a:rPr lang="en-US" smtClean="0"/>
+              <a:rPr lang="en-US"/>
               <a:t>Third level</a:t>
             </a:r>
           </a:p>
           <a:p>
             <a:pPr lvl="3"/>
             <a:r>
-              <a:rPr lang="en-US" smtClean="0"/>
+              <a:rPr lang="en-US"/>
               <a:t>Fourth level</a:t>
             </a:r>
           </a:p>
           <a:p>
             <a:pPr lvl="4"/>
             <a:r>
-              <a:rPr lang="en-US" smtClean="0"/>
+              <a:rPr lang="en-US"/>
               <a:t>Fifth level</a:t>
             </a:r>
-            <a:endParaRPr lang="en-US"/>
           </a:p>
         </p:txBody>
       </p:sp>
@@ -477,7 +489,7 @@
             <a:fld id="{1D8BD707-D9CF-40AE-B4C6-C98DA3205C09}" type="datetimeFigureOut">
               <a:rPr lang="en-US" smtClean="0"/>
               <a:pPr/>
-              <a:t>8/1/2011</a:t>
+              <a:t>2/5/2026</a:t>
             </a:fld>
             <a:endParaRPr lang="en-US"/>
           </a:p>
@@ -572,10 +584,9 @@
           <a:lstStyle/>
           <a:p>
             <a:r>
-              <a:rPr lang="en-US" smtClean="0"/>
+              <a:rPr lang="en-US"/>
               <a:t>Click to edit Master title style</a:t>
             </a:r>
-            <a:endParaRPr lang="en-US"/>
           </a:p>
         </p:txBody>
       </p:sp>
@@ -601,38 +612,37 @@
           <a:p>
             <a:pPr lvl="0"/>
             <a:r>
-              <a:rPr lang="en-US" smtClean="0"/>
+              <a:rPr lang="en-US"/>
               <a:t>Click to edit Master text styles</a:t>
             </a:r>
           </a:p>
           <a:p>
             <a:pPr lvl="1"/>
             <a:r>
-              <a:rPr lang="en-US" smtClean="0"/>
+              <a:rPr lang="en-US"/>
               <a:t>Second level</a:t>
             </a:r>
           </a:p>
           <a:p>
             <a:pPr lvl="2"/>
             <a:r>
-              <a:rPr lang="en-US" smtClean="0"/>
+              <a:rPr lang="en-US"/>
               <a:t>Third level</a:t>
             </a:r>
           </a:p>
           <a:p>
             <a:pPr lvl="3"/>
             <a:r>
-              <a:rPr lang="en-US" smtClean="0"/>
+              <a:rPr lang="en-US"/>
               <a:t>Fourth level</a:t>
             </a:r>
           </a:p>
           <a:p>
             <a:pPr lvl="4"/>
             <a:r>
-              <a:rPr lang="en-US" smtClean="0"/>
+              <a:rPr lang="en-US"/>
               <a:t>Fifth level</a:t>
             </a:r>
-            <a:endParaRPr lang="en-US"/>
           </a:p>
         </p:txBody>
       </p:sp>
@@ -654,7 +664,7 @@
             <a:fld id="{1D8BD707-D9CF-40AE-B4C6-C98DA3205C09}" type="datetimeFigureOut">
               <a:rPr lang="en-US" smtClean="0"/>
               <a:pPr/>
-              <a:t>8/1/2011</a:t>
+              <a:t>2/5/2026</a:t>
             </a:fld>
             <a:endParaRPr lang="en-US"/>
           </a:p>
@@ -744,10 +754,9 @@
           <a:lstStyle/>
           <a:p>
             <a:r>
-              <a:rPr lang="en-US" smtClean="0"/>
+              <a:rPr lang="en-US"/>
               <a:t>Click to edit Master title style</a:t>
             </a:r>
-            <a:endParaRPr lang="en-US"/>
           </a:p>
         </p:txBody>
       </p:sp>
@@ -768,38 +777,37 @@
           <a:p>
             <a:pPr lvl="0"/>
             <a:r>
-              <a:rPr lang="en-US" smtClean="0"/>
+              <a:rPr lang="en-US"/>
               <a:t>Click to edit Master text styles</a:t>
             </a:r>
           </a:p>
           <a:p>
             <a:pPr lvl="1"/>
             <a:r>
-              <a:rPr lang="en-US" smtClean="0"/>
+              <a:rPr lang="en-US"/>
               <a:t>Second level</a:t>
             </a:r>
           </a:p>
           <a:p>
             <a:pPr lvl="2"/>
             <a:r>
-              <a:rPr lang="en-US" smtClean="0"/>
+              <a:rPr lang="en-US"/>
               <a:t>Third level</a:t>
             </a:r>
           </a:p>
           <a:p>
             <a:pPr lvl="3"/>
             <a:r>
-              <a:rPr lang="en-US" smtClean="0"/>
+              <a:rPr lang="en-US"/>
               <a:t>Fourth level</a:t>
             </a:r>
           </a:p>
           <a:p>
             <a:pPr lvl="4"/>
             <a:r>
-              <a:rPr lang="en-US" smtClean="0"/>
+              <a:rPr lang="en-US"/>
               <a:t>Fifth level</a:t>
             </a:r>
-            <a:endParaRPr lang="en-US"/>
           </a:p>
         </p:txBody>
       </p:sp>
@@ -821,7 +829,7 @@
             <a:fld id="{1D8BD707-D9CF-40AE-B4C6-C98DA3205C09}" type="datetimeFigureOut">
               <a:rPr lang="en-US" smtClean="0"/>
               <a:pPr/>
-              <a:t>8/1/2011</a:t>
+              <a:t>2/5/2026</a:t>
             </a:fld>
             <a:endParaRPr lang="en-US"/>
           </a:p>
@@ -870,6 +878,43 @@
           </a:p>
         </p:txBody>
       </p:sp>
+      <p:pic>
+        <p:nvPicPr>
+          <p:cNvPr id="7" name="Picture 6">
+            <a:extLst>
+              <a:ext uri="{FF2B5EF4-FFF2-40B4-BE49-F238E27FC236}">
+                <a16:creationId xmlns:a16="http://schemas.microsoft.com/office/drawing/2014/main" id="{63EE6DA8-EE58-EF77-67A5-E1E11D2DF97E}"/>
+              </a:ext>
+            </a:extLst>
+          </p:cNvPr>
+          <p:cNvPicPr>
+            <a:picLocks noChangeAspect="1"/>
+          </p:cNvPicPr>
+          <p:nvPr userDrawn="1"/>
+        </p:nvPicPr>
+        <p:blipFill>
+          <a:blip r:embed="rId2">
+            <a:alphaModFix amt="10000"/>
+            <a:extLst>
+              <a:ext uri="{28A0092B-C50C-407E-A947-70E740481C1C}">
+                <a14:useLocalDpi xmlns:a14="http://schemas.microsoft.com/office/drawing/2010/main" val="0"/>
+              </a:ext>
+            </a:extLst>
+          </a:blip>
+          <a:stretch>
+            <a:fillRect/>
+          </a:stretch>
+        </p:blipFill>
+        <p:spPr>
+          <a:xfrm>
+            <a:off x="6111238" y="2110738"/>
+            <a:ext cx="6065524" cy="6065524"/>
+          </a:xfrm>
+          <a:prstGeom prst="rect">
+            <a:avLst/>
+          </a:prstGeom>
+        </p:spPr>
+      </p:pic>
     </p:spTree>
   </p:cSld>
   <p:clrMapOvr>
@@ -920,10 +965,9 @@
           </a:lstStyle>
           <a:p>
             <a:r>
-              <a:rPr lang="en-US" smtClean="0"/>
+              <a:rPr lang="en-US"/>
               <a:t>Click to edit Master title style</a:t>
             </a:r>
-            <a:endParaRPr lang="en-US"/>
           </a:p>
         </p:txBody>
       </p:sp>
@@ -1040,7 +1084,7 @@
           <a:p>
             <a:pPr lvl="0"/>
             <a:r>
-              <a:rPr lang="en-US" smtClean="0"/>
+              <a:rPr lang="en-US"/>
               <a:t>Click to edit Master text styles</a:t>
             </a:r>
           </a:p>
@@ -1064,7 +1108,7 @@
             <a:fld id="{1D8BD707-D9CF-40AE-B4C6-C98DA3205C09}" type="datetimeFigureOut">
               <a:rPr lang="en-US" smtClean="0"/>
               <a:pPr/>
-              <a:t>8/1/2011</a:t>
+              <a:t>2/5/2026</a:t>
             </a:fld>
             <a:endParaRPr lang="en-US"/>
           </a:p>
@@ -1154,10 +1198,9 @@
           <a:lstStyle/>
           <a:p>
             <a:r>
-              <a:rPr lang="en-US" smtClean="0"/>
+              <a:rPr lang="en-US"/>
               <a:t>Click to edit Master title style</a:t>
             </a:r>
-            <a:endParaRPr lang="en-US"/>
           </a:p>
         </p:txBody>
       </p:sp>
@@ -1211,38 +1254,37 @@
           <a:p>
             <a:pPr lvl="0"/>
             <a:r>
-              <a:rPr lang="en-US" smtClean="0"/>
+              <a:rPr lang="en-US"/>
               <a:t>Click to edit Master text styles</a:t>
             </a:r>
           </a:p>
           <a:p>
             <a:pPr lvl="1"/>
             <a:r>
-              <a:rPr lang="en-US" smtClean="0"/>
+              <a:rPr lang="en-US"/>
               <a:t>Second level</a:t>
             </a:r>
           </a:p>
           <a:p>
             <a:pPr lvl="2"/>
             <a:r>
-              <a:rPr lang="en-US" smtClean="0"/>
+              <a:rPr lang="en-US"/>
               <a:t>Third level</a:t>
             </a:r>
           </a:p>
           <a:p>
             <a:pPr lvl="3"/>
             <a:r>
-              <a:rPr lang="en-US" smtClean="0"/>
+              <a:rPr lang="en-US"/>
               <a:t>Fourth level</a:t>
             </a:r>
           </a:p>
           <a:p>
             <a:pPr lvl="4"/>
             <a:r>
-              <a:rPr lang="en-US" smtClean="0"/>
+              <a:rPr lang="en-US"/>
               <a:t>Fifth level</a:t>
             </a:r>
-            <a:endParaRPr lang="en-US"/>
           </a:p>
         </p:txBody>
       </p:sp>
@@ -1296,38 +1338,37 @@
           <a:p>
             <a:pPr lvl="0"/>
             <a:r>
-              <a:rPr lang="en-US" smtClean="0"/>
+              <a:rPr lang="en-US"/>
               <a:t>Click to edit Master text styles</a:t>
             </a:r>
           </a:p>
           <a:p>
             <a:pPr lvl="1"/>
             <a:r>
-              <a:rPr lang="en-US" smtClean="0"/>
+              <a:rPr lang="en-US"/>
               <a:t>Second level</a:t>
             </a:r>
           </a:p>
           <a:p>
             <a:pPr lvl="2"/>
             <a:r>
-              <a:rPr lang="en-US" smtClean="0"/>
+              <a:rPr lang="en-US"/>
               <a:t>Third level</a:t>
             </a:r>
           </a:p>
           <a:p>
             <a:pPr lvl="3"/>
             <a:r>
-              <a:rPr lang="en-US" smtClean="0"/>
+              <a:rPr lang="en-US"/>
               <a:t>Fourth level</a:t>
             </a:r>
           </a:p>
           <a:p>
             <a:pPr lvl="4"/>
             <a:r>
-              <a:rPr lang="en-US" smtClean="0"/>
+              <a:rPr lang="en-US"/>
               <a:t>Fifth level</a:t>
             </a:r>
-            <a:endParaRPr lang="en-US"/>
           </a:p>
         </p:txBody>
       </p:sp>
@@ -1349,7 +1390,7 @@
             <a:fld id="{1D8BD707-D9CF-40AE-B4C6-C98DA3205C09}" type="datetimeFigureOut">
               <a:rPr lang="en-US" smtClean="0"/>
               <a:pPr/>
-              <a:t>8/1/2011</a:t>
+              <a:t>2/5/2026</a:t>
             </a:fld>
             <a:endParaRPr lang="en-US"/>
           </a:p>
@@ -1443,10 +1484,9 @@
           </a:lstStyle>
           <a:p>
             <a:r>
-              <a:rPr lang="en-US" smtClean="0"/>
+              <a:rPr lang="en-US"/>
               <a:t>Click to edit Master title style</a:t>
             </a:r>
-            <a:endParaRPr lang="en-US"/>
           </a:p>
         </p:txBody>
       </p:sp>
@@ -1509,7 +1549,7 @@
           <a:p>
             <a:pPr lvl="0"/>
             <a:r>
-              <a:rPr lang="en-US" smtClean="0"/>
+              <a:rPr lang="en-US"/>
               <a:t>Click to edit Master text styles</a:t>
             </a:r>
           </a:p>
@@ -1565,38 +1605,37 @@
           <a:p>
             <a:pPr lvl="0"/>
             <a:r>
-              <a:rPr lang="en-US" smtClean="0"/>
+              <a:rPr lang="en-US"/>
               <a:t>Click to edit Master text styles</a:t>
             </a:r>
           </a:p>
           <a:p>
             <a:pPr lvl="1"/>
             <a:r>
-              <a:rPr lang="en-US" smtClean="0"/>
+              <a:rPr lang="en-US"/>
               <a:t>Second level</a:t>
             </a:r>
           </a:p>
           <a:p>
             <a:pPr lvl="2"/>
             <a:r>
-              <a:rPr lang="en-US" smtClean="0"/>
+              <a:rPr lang="en-US"/>
               <a:t>Third level</a:t>
             </a:r>
           </a:p>
           <a:p>
             <a:pPr lvl="3"/>
             <a:r>
-              <a:rPr lang="en-US" smtClean="0"/>
+              <a:rPr lang="en-US"/>
               <a:t>Fourth level</a:t>
             </a:r>
           </a:p>
           <a:p>
             <a:pPr lvl="4"/>
             <a:r>
-              <a:rPr lang="en-US" smtClean="0"/>
+              <a:rPr lang="en-US"/>
               <a:t>Fifth level</a:t>
             </a:r>
-            <a:endParaRPr lang="en-US"/>
           </a:p>
         </p:txBody>
       </p:sp>
@@ -1659,7 +1698,7 @@
           <a:p>
             <a:pPr lvl="0"/>
             <a:r>
-              <a:rPr lang="en-US" smtClean="0"/>
+              <a:rPr lang="en-US"/>
               <a:t>Click to edit Master text styles</a:t>
             </a:r>
           </a:p>
@@ -1715,38 +1754,37 @@
           <a:p>
             <a:pPr lvl="0"/>
             <a:r>
-              <a:rPr lang="en-US" smtClean="0"/>
+              <a:rPr lang="en-US"/>
               <a:t>Click to edit Master text styles</a:t>
             </a:r>
           </a:p>
           <a:p>
             <a:pPr lvl="1"/>
             <a:r>
-              <a:rPr lang="en-US" smtClean="0"/>
+              <a:rPr lang="en-US"/>
               <a:t>Second level</a:t>
             </a:r>
           </a:p>
           <a:p>
             <a:pPr lvl="2"/>
             <a:r>
-              <a:rPr lang="en-US" smtClean="0"/>
+              <a:rPr lang="en-US"/>
               <a:t>Third level</a:t>
             </a:r>
           </a:p>
           <a:p>
             <a:pPr lvl="3"/>
             <a:r>
-              <a:rPr lang="en-US" smtClean="0"/>
+              <a:rPr lang="en-US"/>
               <a:t>Fourth level</a:t>
             </a:r>
           </a:p>
           <a:p>
             <a:pPr lvl="4"/>
             <a:r>
-              <a:rPr lang="en-US" smtClean="0"/>
+              <a:rPr lang="en-US"/>
               <a:t>Fifth level</a:t>
             </a:r>
-            <a:endParaRPr lang="en-US"/>
           </a:p>
         </p:txBody>
       </p:sp>
@@ -1768,7 +1806,7 @@
             <a:fld id="{1D8BD707-D9CF-40AE-B4C6-C98DA3205C09}" type="datetimeFigureOut">
               <a:rPr lang="en-US" smtClean="0"/>
               <a:pPr/>
-              <a:t>8/1/2011</a:t>
+              <a:t>2/5/2026</a:t>
             </a:fld>
             <a:endParaRPr lang="en-US"/>
           </a:p>
@@ -1858,10 +1896,9 @@
           <a:lstStyle/>
           <a:p>
             <a:r>
-              <a:rPr lang="en-US" smtClean="0"/>
+              <a:rPr lang="en-US"/>
               <a:t>Click to edit Master title style</a:t>
             </a:r>
-            <a:endParaRPr lang="en-US"/>
           </a:p>
         </p:txBody>
       </p:sp>
@@ -1883,7 +1920,7 @@
             <a:fld id="{1D8BD707-D9CF-40AE-B4C6-C98DA3205C09}" type="datetimeFigureOut">
               <a:rPr lang="en-US" smtClean="0"/>
               <a:pPr/>
-              <a:t>8/1/2011</a:t>
+              <a:t>2/5/2026</a:t>
             </a:fld>
             <a:endParaRPr lang="en-US"/>
           </a:p>
@@ -1975,7 +2012,7 @@
             <a:fld id="{1D8BD707-D9CF-40AE-B4C6-C98DA3205C09}" type="datetimeFigureOut">
               <a:rPr lang="en-US" smtClean="0"/>
               <a:pPr/>
-              <a:t>8/1/2011</a:t>
+              <a:t>2/5/2026</a:t>
             </a:fld>
             <a:endParaRPr lang="en-US"/>
           </a:p>
@@ -2074,10 +2111,9 @@
           </a:lstStyle>
           <a:p>
             <a:r>
-              <a:rPr lang="en-US" smtClean="0"/>
+              <a:rPr lang="en-US"/>
               <a:t>Click to edit Master title style</a:t>
             </a:r>
-            <a:endParaRPr lang="en-US"/>
           </a:p>
         </p:txBody>
       </p:sp>
@@ -2131,38 +2167,37 @@
           <a:p>
             <a:pPr lvl="0"/>
             <a:r>
-              <a:rPr lang="en-US" smtClean="0"/>
+              <a:rPr lang="en-US"/>
               <a:t>Click to edit Master text styles</a:t>
             </a:r>
           </a:p>
           <a:p>
             <a:pPr lvl="1"/>
             <a:r>
-              <a:rPr lang="en-US" smtClean="0"/>
+              <a:rPr lang="en-US"/>
               <a:t>Second level</a:t>
             </a:r>
           </a:p>
           <a:p>
             <a:pPr lvl="2"/>
             <a:r>
-              <a:rPr lang="en-US" smtClean="0"/>
+              <a:rPr lang="en-US"/>
               <a:t>Third level</a:t>
             </a:r>
           </a:p>
           <a:p>
             <a:pPr lvl="3"/>
             <a:r>
-              <a:rPr lang="en-US" smtClean="0"/>
+              <a:rPr lang="en-US"/>
               <a:t>Fourth level</a:t>
             </a:r>
           </a:p>
           <a:p>
             <a:pPr lvl="4"/>
             <a:r>
-              <a:rPr lang="en-US" smtClean="0"/>
+              <a:rPr lang="en-US"/>
               <a:t>Fifth level</a:t>
             </a:r>
-            <a:endParaRPr lang="en-US"/>
           </a:p>
         </p:txBody>
       </p:sp>
@@ -2225,7 +2260,7 @@
           <a:p>
             <a:pPr lvl="0"/>
             <a:r>
-              <a:rPr lang="en-US" smtClean="0"/>
+              <a:rPr lang="en-US"/>
               <a:t>Click to edit Master text styles</a:t>
             </a:r>
           </a:p>
@@ -2249,7 +2284,7 @@
             <a:fld id="{1D8BD707-D9CF-40AE-B4C6-C98DA3205C09}" type="datetimeFigureOut">
               <a:rPr lang="en-US" smtClean="0"/>
               <a:pPr/>
-              <a:t>8/1/2011</a:t>
+              <a:t>2/5/2026</a:t>
             </a:fld>
             <a:endParaRPr lang="en-US"/>
           </a:p>
@@ -2348,10 +2383,9 @@
           </a:lstStyle>
           <a:p>
             <a:r>
-              <a:rPr lang="en-US" smtClean="0"/>
+              <a:rPr lang="en-US"/>
               <a:t>Click to edit Master title style</a:t>
             </a:r>
-            <a:endParaRPr lang="en-US"/>
           </a:p>
         </p:txBody>
       </p:sp>
@@ -2475,7 +2509,7 @@
           <a:p>
             <a:pPr lvl="0"/>
             <a:r>
-              <a:rPr lang="en-US" smtClean="0"/>
+              <a:rPr lang="en-US"/>
               <a:t>Click to edit Master text styles</a:t>
             </a:r>
           </a:p>
@@ -2499,7 +2533,7 @@
             <a:fld id="{1D8BD707-D9CF-40AE-B4C6-C98DA3205C09}" type="datetimeFigureOut">
               <a:rPr lang="en-US" smtClean="0"/>
               <a:pPr/>
-              <a:t>8/1/2011</a:t>
+              <a:t>2/5/2026</a:t>
             </a:fld>
             <a:endParaRPr lang="en-US"/>
           </a:p>
@@ -2604,10 +2638,9 @@
           <a:lstStyle/>
           <a:p>
             <a:r>
-              <a:rPr lang="en-US" smtClean="0"/>
+              <a:rPr lang="en-US"/>
               <a:t>Click to edit Master title style</a:t>
             </a:r>
-            <a:endParaRPr lang="en-US"/>
           </a:p>
         </p:txBody>
       </p:sp>
@@ -2638,38 +2671,37 @@
           <a:p>
             <a:pPr lvl="0"/>
             <a:r>
-              <a:rPr lang="en-US" smtClean="0"/>
+              <a:rPr lang="en-US"/>
               <a:t>Click to edit Master text styles</a:t>
             </a:r>
           </a:p>
           <a:p>
             <a:pPr lvl="1"/>
             <a:r>
-              <a:rPr lang="en-US" smtClean="0"/>
+              <a:rPr lang="en-US"/>
               <a:t>Second level</a:t>
             </a:r>
           </a:p>
           <a:p>
             <a:pPr lvl="2"/>
             <a:r>
-              <a:rPr lang="en-US" smtClean="0"/>
+              <a:rPr lang="en-US"/>
               <a:t>Third level</a:t>
             </a:r>
           </a:p>
           <a:p>
             <a:pPr lvl="3"/>
             <a:r>
-              <a:rPr lang="en-US" smtClean="0"/>
+              <a:rPr lang="en-US"/>
               <a:t>Fourth level</a:t>
             </a:r>
           </a:p>
           <a:p>
             <a:pPr lvl="4"/>
             <a:r>
-              <a:rPr lang="en-US" smtClean="0"/>
+              <a:rPr lang="en-US"/>
               <a:t>Fifth level</a:t>
             </a:r>
-            <a:endParaRPr lang="en-US"/>
           </a:p>
         </p:txBody>
       </p:sp>
@@ -2709,7 +2741,7 @@
             <a:fld id="{1D8BD707-D9CF-40AE-B4C6-C98DA3205C09}" type="datetimeFigureOut">
               <a:rPr lang="en-US" smtClean="0"/>
               <a:pPr/>
-              <a:t>8/1/2011</a:t>
+              <a:t>2/5/2026</a:t>
             </a:fld>
             <a:endParaRPr lang="en-US"/>
           </a:p>
@@ -3064,13 +3096,14 @@
 </file>
 
 <file path=ppt/slides/slide1.xml><?xml version="1.0" encoding="utf-8"?>
-<p:sld xmlns:p="http://schemas.openxmlformats.org/presentationml/2006/main" xmlns:a="http://schemas.openxmlformats.org/drawingml/2006/main" xmlns:r="http://schemas.openxmlformats.org/officeDocument/2006/relationships">
+<p:sld xmlns:a="http://schemas.openxmlformats.org/drawingml/2006/main" xmlns:r="http://schemas.openxmlformats.org/officeDocument/2006/relationships" xmlns:p="http://schemas.openxmlformats.org/presentationml/2006/main">
   <p:cSld>
     <p:bg>
       <p:bgPr>
         <a:solidFill>
           <a:srgbClr val="F6F4F1"/>
         </a:solidFill>
+        <a:effectLst/>
       </p:bgPr>
     </p:bg>
     <p:spTree>
@@ -3089,12 +3122,12 @@
       </p:grpSpPr>
       <p:sp>
         <p:nvSpPr>
-          <p:cNvPr name="TextBox 2" id="2"/>
-          <p:cNvSpPr txBox="true"/>
+          <p:cNvPr id="2" name="TextBox 2"/>
+          <p:cNvSpPr txBox="1"/>
           <p:nvPr/>
         </p:nvSpPr>
         <p:spPr>
-          <a:xfrm rot="0">
+          <a:xfrm>
             <a:off x="1904222" y="3634596"/>
             <a:ext cx="9750800" cy="1927860"/>
           </a:xfrm>
@@ -3103,7 +3136,7 @@
           </a:prstGeom>
         </p:spPr>
         <p:txBody>
-          <a:bodyPr anchor="t" rtlCol="false" tIns="0" lIns="0" bIns="0" rIns="0">
+          <a:bodyPr lIns="0" tIns="0" rIns="0" bIns="0" rtlCol="0" anchor="t">
             <a:spAutoFit/>
           </a:bodyPr>
           <a:lstStyle/>
@@ -3130,12 +3163,12 @@
       </p:sp>
       <p:grpSp>
         <p:nvGrpSpPr>
-          <p:cNvPr name="Group 3" id="3"/>
+          <p:cNvPr id="3" name="Group 3"/>
           <p:cNvGrpSpPr/>
           <p:nvPr/>
         </p:nvGrpSpPr>
         <p:grpSpPr>
-          <a:xfrm rot="0">
+          <a:xfrm>
             <a:off x="-381720" y="-218676"/>
             <a:ext cx="1410420" cy="10724351"/>
             <a:chOff x="0" y="0"/>
@@ -3144,12 +3177,12 @@
         </p:grpSpPr>
         <p:sp>
           <p:nvSpPr>
-            <p:cNvPr name="Freeform 4" id="4"/>
+            <p:cNvPr id="4" name="Freeform 4"/>
             <p:cNvSpPr/>
             <p:nvPr/>
           </p:nvSpPr>
           <p:spPr>
-            <a:xfrm flipH="false" flipV="false" rot="0">
+            <a:xfrm>
               <a:off x="0" y="0"/>
               <a:ext cx="371469" cy="2824520"/>
             </a:xfrm>
@@ -3158,9 +3191,9 @@
               <a:gdLst/>
               <a:ahLst/>
               <a:cxnLst/>
-              <a:rect r="r" b="b" t="t" l="l"/>
+              <a:rect l="l" t="t" r="r" b="b"/>
               <a:pathLst>
-                <a:path h="2824520" w="371469">
+                <a:path w="371469" h="2824520">
                   <a:moveTo>
                     <a:pt x="0" y="0"/>
                   </a:moveTo>
@@ -3184,8 +3217,8 @@
         </p:sp>
         <p:sp>
           <p:nvSpPr>
-            <p:cNvPr name="TextBox 5" id="5"/>
-            <p:cNvSpPr txBox="true"/>
+            <p:cNvPr id="5" name="TextBox 5"/>
+            <p:cNvSpPr txBox="1"/>
             <p:nvPr/>
           </p:nvSpPr>
           <p:spPr>
@@ -3198,7 +3231,7 @@
             </a:prstGeom>
           </p:spPr>
           <p:txBody>
-            <a:bodyPr anchor="ctr" rtlCol="false" tIns="50800" lIns="50800" bIns="50800" rIns="50800"/>
+            <a:bodyPr lIns="50800" tIns="50800" rIns="50800" bIns="50800" rtlCol="0" anchor="ctr"/>
             <a:lstStyle/>
             <a:p>
               <a:pPr algn="ctr">
@@ -3206,18 +3239,19 @@
                   <a:spcPts val="2799"/>
                 </a:lnSpc>
               </a:pPr>
+              <a:endParaRPr/>
             </a:p>
           </p:txBody>
         </p:sp>
       </p:grpSp>
       <p:grpSp>
         <p:nvGrpSpPr>
-          <p:cNvPr name="Group 6" id="6"/>
+          <p:cNvPr id="6" name="Group 6"/>
           <p:cNvGrpSpPr/>
           <p:nvPr/>
         </p:nvGrpSpPr>
         <p:grpSpPr>
-          <a:xfrm rot="0">
+          <a:xfrm>
             <a:off x="1406754" y="227219"/>
             <a:ext cx="1362165" cy="1362165"/>
             <a:chOff x="0" y="0"/>
@@ -3226,12 +3260,12 @@
         </p:grpSpPr>
         <p:sp>
           <p:nvSpPr>
-            <p:cNvPr name="Freeform 7" id="7"/>
+            <p:cNvPr id="7" name="Freeform 7"/>
             <p:cNvSpPr/>
             <p:nvPr/>
           </p:nvSpPr>
           <p:spPr>
-            <a:xfrm flipH="false" flipV="false" rot="0">
+            <a:xfrm>
               <a:off x="0" y="0"/>
               <a:ext cx="2137283" cy="2137283"/>
             </a:xfrm>
@@ -3240,9 +3274,9 @@
               <a:gdLst/>
               <a:ahLst/>
               <a:cxnLst/>
-              <a:rect r="r" b="b" t="t" l="l"/>
+              <a:rect l="l" t="t" r="r" b="b"/>
               <a:pathLst>
-                <a:path h="2137283" w="2137283">
+                <a:path w="2137283" h="2137283">
                   <a:moveTo>
                     <a:pt x="0" y="0"/>
                   </a:moveTo>
@@ -3265,7 +3299,7 @@
             <a:blipFill>
               <a:blip r:embed="rId2"/>
               <a:stretch>
-                <a:fillRect l="0" t="0" r="0" b="0"/>
+                <a:fillRect/>
               </a:stretch>
             </a:blipFill>
           </p:spPr>
@@ -3273,12 +3307,12 @@
       </p:grpSp>
       <p:sp>
         <p:nvSpPr>
-          <p:cNvPr name="Freeform 8" id="8"/>
+          <p:cNvPr id="8" name="Freeform 8"/>
           <p:cNvSpPr/>
           <p:nvPr/>
         </p:nvSpPr>
         <p:spPr>
-          <a:xfrm flipH="false" flipV="false" rot="0">
+          <a:xfrm>
             <a:off x="16313633" y="227219"/>
             <a:ext cx="1364001" cy="1362165"/>
           </a:xfrm>
@@ -3287,9 +3321,9 @@
             <a:gdLst/>
             <a:ahLst/>
             <a:cxnLst/>
-            <a:rect r="r" b="b" t="t" l="l"/>
+            <a:rect l="l" t="t" r="r" b="b"/>
             <a:pathLst>
-              <a:path h="1362165" w="1364001">
+              <a:path w="1364001" h="1362165">
                 <a:moveTo>
                   <a:pt x="0" y="0"/>
                 </a:moveTo>
@@ -3312,19 +3346,19 @@
           <a:blipFill>
             <a:blip r:embed="rId3"/>
             <a:stretch>
-              <a:fillRect l="0" t="0" r="0" b="0"/>
+              <a:fillRect/>
             </a:stretch>
           </a:blipFill>
         </p:spPr>
       </p:sp>
       <p:sp>
         <p:nvSpPr>
-          <p:cNvPr name="TextBox 9" id="9"/>
-          <p:cNvSpPr txBox="true"/>
+          <p:cNvPr id="9" name="TextBox 9"/>
+          <p:cNvSpPr txBox="1"/>
           <p:nvPr/>
         </p:nvSpPr>
         <p:spPr>
-          <a:xfrm rot="0">
+          <a:xfrm>
             <a:off x="1904222" y="6224815"/>
             <a:ext cx="7796040" cy="1538360"/>
           </a:xfrm>
@@ -3333,7 +3367,7 @@
           </a:prstGeom>
         </p:spPr>
         <p:txBody>
-          <a:bodyPr anchor="t" rtlCol="false" tIns="0" lIns="0" bIns="0" rIns="0">
+          <a:bodyPr lIns="0" tIns="0" rIns="0" bIns="0" rtlCol="0" anchor="t">
             <a:spAutoFit/>
           </a:bodyPr>
           <a:lstStyle/>
@@ -3344,7 +3378,7 @@
               </a:lnSpc>
             </a:pPr>
             <a:r>
-              <a:rPr lang="en-US" sz="4264" b="true">
+              <a:rPr lang="en-US" sz="4264" b="1">
                 <a:solidFill>
                   <a:srgbClr val="253439"/>
                 </a:solidFill>
@@ -3363,7 +3397,7 @@
               </a:lnSpc>
             </a:pPr>
             <a:r>
-              <a:rPr lang="en-US" b="true" sz="4264">
+              <a:rPr lang="en-US" sz="4264" b="1">
                 <a:solidFill>
                   <a:srgbClr val="253439"/>
                 </a:solidFill>
@@ -3379,12 +3413,12 @@
       </p:sp>
       <p:sp>
         <p:nvSpPr>
-          <p:cNvPr name="TextBox 10" id="10"/>
-          <p:cNvSpPr txBox="true"/>
+          <p:cNvPr id="10" name="TextBox 10"/>
+          <p:cNvSpPr txBox="1"/>
           <p:nvPr/>
         </p:nvSpPr>
         <p:spPr>
-          <a:xfrm rot="0">
+          <a:xfrm>
             <a:off x="4551371" y="198585"/>
             <a:ext cx="10297782" cy="1276557"/>
           </a:xfrm>
@@ -3393,7 +3427,7 @@
           </a:prstGeom>
         </p:spPr>
         <p:txBody>
-          <a:bodyPr anchor="t" rtlCol="false" tIns="0" lIns="0" bIns="0" rIns="0">
+          <a:bodyPr lIns="0" tIns="0" rIns="0" bIns="0" rtlCol="0" anchor="t">
             <a:spAutoFit/>
           </a:bodyPr>
           <a:lstStyle/>
@@ -3430,13 +3464,14 @@
 </file>
 
 <file path=ppt/slides/slide2.xml><?xml version="1.0" encoding="utf-8"?>
-<p:sld xmlns:p="http://schemas.openxmlformats.org/presentationml/2006/main" xmlns:a="http://schemas.openxmlformats.org/drawingml/2006/main" xmlns:r="http://schemas.openxmlformats.org/officeDocument/2006/relationships">
+<p:sld xmlns:a="http://schemas.openxmlformats.org/drawingml/2006/main" xmlns:r="http://schemas.openxmlformats.org/officeDocument/2006/relationships" xmlns:p="http://schemas.openxmlformats.org/presentationml/2006/main">
   <p:cSld>
     <p:bg>
       <p:bgPr>
         <a:solidFill>
           <a:srgbClr val="F6F4F1"/>
         </a:solidFill>
+        <a:effectLst/>
       </p:bgPr>
     </p:bg>
     <p:spTree>
@@ -3455,12 +3490,12 @@
       </p:grpSpPr>
       <p:sp>
         <p:nvSpPr>
-          <p:cNvPr name="TextBox 2" id="2"/>
-          <p:cNvSpPr txBox="true"/>
+          <p:cNvPr id="2" name="TextBox 2"/>
+          <p:cNvSpPr txBox="1"/>
           <p:nvPr/>
         </p:nvSpPr>
         <p:spPr>
-          <a:xfrm rot="0">
+          <a:xfrm>
             <a:off x="1028700" y="1171575"/>
             <a:ext cx="7486517" cy="1069976"/>
           </a:xfrm>
@@ -3469,12 +3504,12 @@
           </a:prstGeom>
         </p:spPr>
         <p:txBody>
-          <a:bodyPr anchor="t" rtlCol="false" tIns="0" lIns="0" bIns="0" rIns="0">
+          <a:bodyPr lIns="0" tIns="0" rIns="0" bIns="0" rtlCol="0" anchor="t">
             <a:spAutoFit/>
           </a:bodyPr>
           <a:lstStyle/>
           <a:p>
-            <a:pPr algn="l" marL="0" indent="0" lvl="0">
+            <a:pPr marL="0" lvl="0" indent="0" algn="l">
               <a:lnSpc>
                 <a:spcPts val="8000"/>
               </a:lnSpc>
@@ -3499,12 +3534,12 @@
       </p:sp>
       <p:sp>
         <p:nvSpPr>
-          <p:cNvPr name="TextBox 3" id="3"/>
-          <p:cNvSpPr txBox="true"/>
+          <p:cNvPr id="3" name="TextBox 3"/>
+          <p:cNvSpPr txBox="1"/>
           <p:nvPr/>
         </p:nvSpPr>
         <p:spPr>
-          <a:xfrm rot="0">
+          <a:xfrm>
             <a:off x="1028700" y="2983753"/>
             <a:ext cx="4438650" cy="2159747"/>
           </a:xfrm>
@@ -3513,7 +3548,7 @@
           </a:prstGeom>
         </p:spPr>
         <p:txBody>
-          <a:bodyPr anchor="t" rtlCol="false" tIns="0" lIns="0" bIns="0" rIns="0">
+          <a:bodyPr lIns="0" tIns="0" rIns="0" bIns="0" rtlCol="0" anchor="t">
             <a:spAutoFit/>
           </a:bodyPr>
           <a:lstStyle/>
@@ -3536,19 +3571,7 @@
                 <a:cs typeface="Lato"/>
                 <a:sym typeface="Lato"/>
               </a:rPr>
-              <a:t>• Ove</a:t>
-            </a:r>
-            <a:r>
-              <a:rPr lang="en-US" sz="3095" spc="-61">
-                <a:solidFill>
-                  <a:srgbClr val="253439"/>
-                </a:solidFill>
-                <a:latin typeface="Lato"/>
-                <a:ea typeface="Lato"/>
-                <a:cs typeface="Lato"/>
-                <a:sym typeface="Lato"/>
-              </a:rPr>
-              <a:t>rview of the problem</a:t>
+              <a:t>• Overview of the problem</a:t>
             </a:r>
           </a:p>
           <a:p>
@@ -3560,6 +3583,15 @@
                 <a:spcPct val="0"/>
               </a:spcBef>
             </a:pPr>
+            <a:endParaRPr lang="en-US" sz="3095" spc="-61">
+              <a:solidFill>
+                <a:srgbClr val="253439"/>
+              </a:solidFill>
+              <a:latin typeface="Lato"/>
+              <a:ea typeface="Lato"/>
+              <a:cs typeface="Lato"/>
+              <a:sym typeface="Lato"/>
+            </a:endParaRPr>
           </a:p>
           <a:p>
             <a:pPr algn="just">
@@ -3570,6 +3602,15 @@
                 <a:spcPct val="0"/>
               </a:spcBef>
             </a:pPr>
+            <a:endParaRPr lang="en-US" sz="3095" spc="-61">
+              <a:solidFill>
+                <a:srgbClr val="253439"/>
+              </a:solidFill>
+              <a:latin typeface="Lato"/>
+              <a:ea typeface="Lato"/>
+              <a:cs typeface="Lato"/>
+              <a:sym typeface="Lato"/>
+            </a:endParaRPr>
           </a:p>
           <a:p>
             <a:pPr algn="ctr">
@@ -3580,56 +3621,17 @@
                 <a:spcPct val="0"/>
               </a:spcBef>
             </a:pPr>
-          </a:p>
-        </p:txBody>
-      </p:sp>
-      <p:sp>
-        <p:nvSpPr>
-          <p:cNvPr name="Freeform 4" id="4"/>
-          <p:cNvSpPr/>
-          <p:nvPr/>
-        </p:nvSpPr>
-        <p:spPr>
-          <a:xfrm flipH="false" flipV="false" rot="0">
-            <a:off x="6629623" y="3400770"/>
-            <a:ext cx="4636939" cy="4630698"/>
-          </a:xfrm>
-          <a:custGeom>
-            <a:avLst/>
-            <a:gdLst/>
-            <a:ahLst/>
-            <a:cxnLst/>
-            <a:rect r="r" b="b" t="t" l="l"/>
-            <a:pathLst>
-              <a:path h="4630698" w="4636939">
-                <a:moveTo>
-                  <a:pt x="0" y="0"/>
-                </a:moveTo>
-                <a:lnTo>
-                  <a:pt x="4636939" y="0"/>
-                </a:lnTo>
-                <a:lnTo>
-                  <a:pt x="4636939" y="4630698"/>
-                </a:lnTo>
-                <a:lnTo>
-                  <a:pt x="0" y="4630698"/>
-                </a:lnTo>
-                <a:lnTo>
-                  <a:pt x="0" y="0"/>
-                </a:lnTo>
-                <a:close/>
-              </a:path>
-            </a:pathLst>
-          </a:custGeom>
-          <a:blipFill>
-            <a:blip r:embed="rId2">
-              <a:alphaModFix amt="15000"/>
-            </a:blip>
-            <a:stretch>
-              <a:fillRect l="0" t="0" r="0" b="0"/>
-            </a:stretch>
-          </a:blipFill>
-        </p:spPr>
+            <a:endParaRPr lang="en-US" sz="3095" spc="-61">
+              <a:solidFill>
+                <a:srgbClr val="253439"/>
+              </a:solidFill>
+              <a:latin typeface="Lato"/>
+              <a:ea typeface="Lato"/>
+              <a:cs typeface="Lato"/>
+              <a:sym typeface="Lato"/>
+            </a:endParaRPr>
+          </a:p>
+        </p:txBody>
       </p:sp>
     </p:spTree>
   </p:cSld>
@@ -3640,13 +3642,14 @@
 </file>
 
 <file path=ppt/slides/slide3.xml><?xml version="1.0" encoding="utf-8"?>
-<p:sld xmlns:p="http://schemas.openxmlformats.org/presentationml/2006/main" xmlns:a="http://schemas.openxmlformats.org/drawingml/2006/main" xmlns:r="http://schemas.openxmlformats.org/officeDocument/2006/relationships">
+<p:sld xmlns:a="http://schemas.openxmlformats.org/drawingml/2006/main" xmlns:r="http://schemas.openxmlformats.org/officeDocument/2006/relationships" xmlns:p="http://schemas.openxmlformats.org/presentationml/2006/main">
   <p:cSld>
     <p:bg>
       <p:bgPr>
         <a:solidFill>
           <a:srgbClr val="F6F4F1"/>
         </a:solidFill>
+        <a:effectLst/>
       </p:bgPr>
     </p:bg>
     <p:spTree>
@@ -3665,60 +3668,12 @@
       </p:grpSpPr>
       <p:sp>
         <p:nvSpPr>
-          <p:cNvPr name="Freeform 2" id="2"/>
-          <p:cNvSpPr/>
+          <p:cNvPr id="3" name="TextBox 3"/>
+          <p:cNvSpPr txBox="1"/>
           <p:nvPr/>
         </p:nvSpPr>
         <p:spPr>
-          <a:xfrm flipH="false" flipV="false" rot="0">
-            <a:off x="6825531" y="3400770"/>
-            <a:ext cx="4636939" cy="4630698"/>
-          </a:xfrm>
-          <a:custGeom>
-            <a:avLst/>
-            <a:gdLst/>
-            <a:ahLst/>
-            <a:cxnLst/>
-            <a:rect r="r" b="b" t="t" l="l"/>
-            <a:pathLst>
-              <a:path h="4630698" w="4636939">
-                <a:moveTo>
-                  <a:pt x="0" y="0"/>
-                </a:moveTo>
-                <a:lnTo>
-                  <a:pt x="4636938" y="0"/>
-                </a:lnTo>
-                <a:lnTo>
-                  <a:pt x="4636938" y="4630698"/>
-                </a:lnTo>
-                <a:lnTo>
-                  <a:pt x="0" y="4630698"/>
-                </a:lnTo>
-                <a:lnTo>
-                  <a:pt x="0" y="0"/>
-                </a:lnTo>
-                <a:close/>
-              </a:path>
-            </a:pathLst>
-          </a:custGeom>
-          <a:blipFill>
-            <a:blip r:embed="rId2">
-              <a:alphaModFix amt="15000"/>
-            </a:blip>
-            <a:stretch>
-              <a:fillRect l="0" t="0" r="0" b="0"/>
-            </a:stretch>
-          </a:blipFill>
-        </p:spPr>
-      </p:sp>
-      <p:sp>
-        <p:nvSpPr>
-          <p:cNvPr name="TextBox 3" id="3"/>
-          <p:cNvSpPr txBox="true"/>
-          <p:nvPr/>
-        </p:nvSpPr>
-        <p:spPr>
-          <a:xfrm rot="0">
+          <a:xfrm>
             <a:off x="1028700" y="1293005"/>
             <a:ext cx="9021985" cy="1069976"/>
           </a:xfrm>
@@ -3727,12 +3682,12 @@
           </a:prstGeom>
         </p:spPr>
         <p:txBody>
-          <a:bodyPr anchor="t" rtlCol="false" tIns="0" lIns="0" bIns="0" rIns="0">
+          <a:bodyPr lIns="0" tIns="0" rIns="0" bIns="0" rtlCol="0" anchor="t">
             <a:spAutoFit/>
           </a:bodyPr>
           <a:lstStyle/>
           <a:p>
-            <a:pPr algn="just" marL="0" indent="0" lvl="0">
+            <a:pPr marL="0" lvl="0" indent="0" algn="just">
               <a:lnSpc>
                 <a:spcPts val="8000"/>
               </a:lnSpc>
@@ -3741,7 +3696,7 @@
               </a:spcBef>
             </a:pPr>
             <a:r>
-              <a:rPr lang="en-US" sz="8000" strike="noStrike" u="none">
+              <a:rPr lang="en-US" sz="8000" u="none" strike="noStrike">
                 <a:solidFill>
                   <a:srgbClr val="253439"/>
                 </a:solidFill>
@@ -3757,12 +3712,12 @@
       </p:sp>
       <p:sp>
         <p:nvSpPr>
-          <p:cNvPr name="TextBox 4" id="4"/>
-          <p:cNvSpPr txBox="true"/>
+          <p:cNvPr id="4" name="TextBox 4"/>
+          <p:cNvSpPr txBox="1"/>
           <p:nvPr/>
         </p:nvSpPr>
         <p:spPr>
-          <a:xfrm rot="0">
+          <a:xfrm>
             <a:off x="1028700" y="2568991"/>
             <a:ext cx="6453188" cy="6065656"/>
           </a:xfrm>
@@ -3771,7 +3726,7 @@
           </a:prstGeom>
         </p:spPr>
         <p:txBody>
-          <a:bodyPr anchor="t" rtlCol="false" tIns="0" lIns="0" bIns="0" rIns="0">
+          <a:bodyPr lIns="0" tIns="0" rIns="0" bIns="0" rtlCol="0" anchor="t">
             <a:spAutoFit/>
           </a:bodyPr>
           <a:lstStyle/>
@@ -3895,6 +3850,15 @@
                 <a:spcPts val="6940"/>
               </a:lnSpc>
             </a:pPr>
+            <a:endParaRPr lang="en-US" sz="3834" spc="-76">
+              <a:solidFill>
+                <a:srgbClr val="253439"/>
+              </a:solidFill>
+              <a:latin typeface="Lato"/>
+              <a:ea typeface="Lato"/>
+              <a:cs typeface="Lato"/>
+              <a:sym typeface="Lato"/>
+            </a:endParaRPr>
           </a:p>
         </p:txBody>
       </p:sp>
@@ -3907,13 +3871,14 @@
 </file>
 
 <file path=ppt/slides/slide4.xml><?xml version="1.0" encoding="utf-8"?>
-<p:sld xmlns:p="http://schemas.openxmlformats.org/presentationml/2006/main" xmlns:a="http://schemas.openxmlformats.org/drawingml/2006/main" xmlns:r="http://schemas.openxmlformats.org/officeDocument/2006/relationships">
+<p:sld xmlns:a="http://schemas.openxmlformats.org/drawingml/2006/main" xmlns:r="http://schemas.openxmlformats.org/officeDocument/2006/relationships" xmlns:p="http://schemas.openxmlformats.org/presentationml/2006/main">
   <p:cSld>
     <p:bg>
       <p:bgPr>
         <a:solidFill>
           <a:srgbClr val="F6F4F1"/>
         </a:solidFill>
+        <a:effectLst/>
       </p:bgPr>
     </p:bg>
     <p:spTree>
@@ -3932,12 +3897,12 @@
       </p:grpSpPr>
       <p:sp>
         <p:nvSpPr>
-          <p:cNvPr name="TextBox 2" id="2"/>
-          <p:cNvSpPr txBox="true"/>
+          <p:cNvPr id="2" name="TextBox 2"/>
+          <p:cNvSpPr txBox="1"/>
           <p:nvPr/>
         </p:nvSpPr>
         <p:spPr>
-          <a:xfrm rot="0">
+          <a:xfrm>
             <a:off x="1073626" y="1171575"/>
             <a:ext cx="13356873" cy="1069976"/>
           </a:xfrm>
@@ -3946,12 +3911,12 @@
           </a:prstGeom>
         </p:spPr>
         <p:txBody>
-          <a:bodyPr anchor="t" rtlCol="false" tIns="0" lIns="0" bIns="0" rIns="0">
+          <a:bodyPr lIns="0" tIns="0" rIns="0" bIns="0" rtlCol="0" anchor="t">
             <a:spAutoFit/>
           </a:bodyPr>
           <a:lstStyle/>
           <a:p>
-            <a:pPr algn="l" marL="0" indent="0" lvl="0">
+            <a:pPr marL="0" lvl="0" indent="0" algn="l">
               <a:lnSpc>
                 <a:spcPts val="8000"/>
               </a:lnSpc>
@@ -3972,7 +3937,7 @@
               <a:t>M</a:t>
             </a:r>
             <a:r>
-              <a:rPr lang="en-US" sz="8000" strike="noStrike" u="none">
+              <a:rPr lang="en-US" sz="8000" u="none" strike="noStrike">
                 <a:solidFill>
                   <a:srgbClr val="253439"/>
                 </a:solidFill>
@@ -3981,55 +3946,19 @@
                 <a:cs typeface="Lato"/>
                 <a:sym typeface="Lato"/>
               </a:rPr>
-              <a:t>et</a:t>
-            </a:r>
-            <a:r>
-              <a:rPr lang="en-US" sz="8000" strike="noStrike" u="none">
-                <a:solidFill>
-                  <a:srgbClr val="253439"/>
-                </a:solidFill>
-                <a:latin typeface="Lato"/>
-                <a:ea typeface="Lato"/>
-                <a:cs typeface="Lato"/>
-                <a:sym typeface="Lato"/>
-              </a:rPr>
-              <a:t>hodo</a:t>
-            </a:r>
-            <a:r>
-              <a:rPr lang="en-US" sz="8000" strike="noStrike" u="none">
-                <a:solidFill>
-                  <a:srgbClr val="253439"/>
-                </a:solidFill>
-                <a:latin typeface="Lato"/>
-                <a:ea typeface="Lato"/>
-                <a:cs typeface="Lato"/>
-                <a:sym typeface="Lato"/>
-              </a:rPr>
-              <a:t>lo</a:t>
-            </a:r>
-            <a:r>
-              <a:rPr lang="en-US" sz="8000" strike="noStrike" u="none">
-                <a:solidFill>
-                  <a:srgbClr val="253439"/>
-                </a:solidFill>
-                <a:latin typeface="Lato"/>
-                <a:ea typeface="Lato"/>
-                <a:cs typeface="Lato"/>
-                <a:sym typeface="Lato"/>
-              </a:rPr>
-              <a:t>gy</a:t>
-            </a:r>
-          </a:p>
-        </p:txBody>
-      </p:sp>
-      <p:sp>
-        <p:nvSpPr>
-          <p:cNvPr name="TextBox 3" id="3"/>
-          <p:cNvSpPr txBox="true"/>
+              <a:t>ethodology</a:t>
+            </a:r>
+          </a:p>
+        </p:txBody>
+      </p:sp>
+      <p:sp>
+        <p:nvSpPr>
+          <p:cNvPr id="3" name="TextBox 3"/>
+          <p:cNvSpPr txBox="1"/>
           <p:nvPr/>
         </p:nvSpPr>
         <p:spPr>
-          <a:xfrm rot="0">
+          <a:xfrm>
             <a:off x="1073626" y="3160878"/>
             <a:ext cx="10572998" cy="2555241"/>
           </a:xfrm>
@@ -4038,7 +3967,7 @@
           </a:prstGeom>
         </p:spPr>
         <p:txBody>
-          <a:bodyPr anchor="t" rtlCol="false" tIns="0" lIns="0" bIns="0" rIns="0">
+          <a:bodyPr lIns="0" tIns="0" rIns="0" bIns="0" rtlCol="0" anchor="t">
             <a:spAutoFit/>
           </a:bodyPr>
           <a:lstStyle/>
@@ -4067,6 +3996,15 @@
                 <a:spcPts val="4059"/>
               </a:lnSpc>
             </a:pPr>
+            <a:endParaRPr lang="en-US" sz="2899" spc="-57">
+              <a:solidFill>
+                <a:srgbClr val="253439"/>
+              </a:solidFill>
+              <a:latin typeface="Lato"/>
+              <a:ea typeface="Lato"/>
+              <a:cs typeface="Lato"/>
+              <a:sym typeface="Lato"/>
+            </a:endParaRPr>
           </a:p>
           <a:p>
             <a:pPr algn="l">
@@ -4087,19 +4025,7 @@
                 <a:cs typeface="Lato"/>
                 <a:sym typeface="Lato"/>
               </a:rPr>
-              <a:t>•Technologies / to</a:t>
-            </a:r>
-            <a:r>
-              <a:rPr lang="en-US" sz="2899" spc="-57">
-                <a:solidFill>
-                  <a:srgbClr val="253439"/>
-                </a:solidFill>
-                <a:latin typeface="Lato"/>
-                <a:ea typeface="Lato"/>
-                <a:cs typeface="Lato"/>
-                <a:sym typeface="Lato"/>
-              </a:rPr>
-              <a:t>ols used</a:t>
+              <a:t>•Technologies / tools used</a:t>
             </a:r>
           </a:p>
           <a:p>
@@ -4133,56 +4059,17 @@
                 <a:spcPct val="0"/>
               </a:spcBef>
             </a:pPr>
-          </a:p>
-        </p:txBody>
-      </p:sp>
-      <p:sp>
-        <p:nvSpPr>
-          <p:cNvPr name="Freeform 4" id="4"/>
-          <p:cNvSpPr/>
-          <p:nvPr/>
-        </p:nvSpPr>
-        <p:spPr>
-          <a:xfrm flipH="false" flipV="false" rot="0">
-            <a:off x="6825531" y="3400770"/>
-            <a:ext cx="4636939" cy="4630698"/>
-          </a:xfrm>
-          <a:custGeom>
-            <a:avLst/>
-            <a:gdLst/>
-            <a:ahLst/>
-            <a:cxnLst/>
-            <a:rect r="r" b="b" t="t" l="l"/>
-            <a:pathLst>
-              <a:path h="4630698" w="4636939">
-                <a:moveTo>
-                  <a:pt x="0" y="0"/>
-                </a:moveTo>
-                <a:lnTo>
-                  <a:pt x="4636938" y="0"/>
-                </a:lnTo>
-                <a:lnTo>
-                  <a:pt x="4636938" y="4630698"/>
-                </a:lnTo>
-                <a:lnTo>
-                  <a:pt x="0" y="4630698"/>
-                </a:lnTo>
-                <a:lnTo>
-                  <a:pt x="0" y="0"/>
-                </a:lnTo>
-                <a:close/>
-              </a:path>
-            </a:pathLst>
-          </a:custGeom>
-          <a:blipFill>
-            <a:blip r:embed="rId2">
-              <a:alphaModFix amt="15000"/>
-            </a:blip>
-            <a:stretch>
-              <a:fillRect l="0" t="0" r="0" b="0"/>
-            </a:stretch>
-          </a:blipFill>
-        </p:spPr>
+            <a:endParaRPr lang="en-US" sz="2899" spc="-57">
+              <a:solidFill>
+                <a:srgbClr val="253439"/>
+              </a:solidFill>
+              <a:latin typeface="Lato"/>
+              <a:ea typeface="Lato"/>
+              <a:cs typeface="Lato"/>
+              <a:sym typeface="Lato"/>
+            </a:endParaRPr>
+          </a:p>
+        </p:txBody>
       </p:sp>
     </p:spTree>
   </p:cSld>
@@ -4193,13 +4080,14 @@
 </file>
 
 <file path=ppt/slides/slide5.xml><?xml version="1.0" encoding="utf-8"?>
-<p:sld xmlns:p="http://schemas.openxmlformats.org/presentationml/2006/main" xmlns:a="http://schemas.openxmlformats.org/drawingml/2006/main" xmlns:r="http://schemas.openxmlformats.org/officeDocument/2006/relationships">
+<p:sld xmlns:a="http://schemas.openxmlformats.org/drawingml/2006/main" xmlns:r="http://schemas.openxmlformats.org/officeDocument/2006/relationships" xmlns:p="http://schemas.openxmlformats.org/presentationml/2006/main">
   <p:cSld>
     <p:bg>
       <p:bgPr>
         <a:solidFill>
           <a:srgbClr val="F6F4F1"/>
         </a:solidFill>
+        <a:effectLst/>
       </p:bgPr>
     </p:bg>
     <p:spTree>
@@ -4218,12 +4106,12 @@
       </p:grpSpPr>
       <p:sp>
         <p:nvSpPr>
-          <p:cNvPr name="TextBox 2" id="2"/>
-          <p:cNvSpPr txBox="true"/>
+          <p:cNvPr id="2" name="TextBox 2"/>
+          <p:cNvSpPr txBox="1"/>
           <p:nvPr/>
         </p:nvSpPr>
         <p:spPr>
-          <a:xfrm rot="0">
+          <a:xfrm>
             <a:off x="1028700" y="1171575"/>
             <a:ext cx="6358375" cy="1069976"/>
           </a:xfrm>
@@ -4232,12 +4120,12 @@
           </a:prstGeom>
         </p:spPr>
         <p:txBody>
-          <a:bodyPr anchor="t" rtlCol="false" tIns="0" lIns="0" bIns="0" rIns="0">
+          <a:bodyPr lIns="0" tIns="0" rIns="0" bIns="0" rtlCol="0" anchor="t">
             <a:spAutoFit/>
           </a:bodyPr>
           <a:lstStyle/>
           <a:p>
-            <a:pPr algn="just" marL="0" indent="0" lvl="0">
+            <a:pPr marL="0" lvl="0" indent="0" algn="just">
               <a:lnSpc>
                 <a:spcPts val="8000"/>
               </a:lnSpc>
@@ -4255,19 +4143,19 @@
                 <a:cs typeface="Lato"/>
                 <a:sym typeface="Lato"/>
               </a:rPr>
-              <a:t>Archietecture</a:t>
-            </a:r>
-          </a:p>
-        </p:txBody>
-      </p:sp>
-      <p:sp>
-        <p:nvSpPr>
-          <p:cNvPr name="TextBox 3" id="3"/>
-          <p:cNvSpPr txBox="true"/>
+              <a:t>Architecture</a:t>
+            </a:r>
+          </a:p>
+        </p:txBody>
+      </p:sp>
+      <p:sp>
+        <p:nvSpPr>
+          <p:cNvPr id="3" name="TextBox 3"/>
+          <p:cNvSpPr txBox="1"/>
           <p:nvPr/>
         </p:nvSpPr>
         <p:spPr>
-          <a:xfrm rot="0">
+          <a:xfrm>
             <a:off x="-1446243" y="2850996"/>
             <a:ext cx="9946583" cy="2865123"/>
           </a:xfrm>
@@ -4276,7 +4164,7 @@
           </a:prstGeom>
         </p:spPr>
         <p:txBody>
-          <a:bodyPr anchor="t" rtlCol="false" tIns="0" lIns="0" bIns="0" rIns="0">
+          <a:bodyPr lIns="0" tIns="0" rIns="0" bIns="0" rtlCol="0" anchor="t">
             <a:spAutoFit/>
           </a:bodyPr>
           <a:lstStyle/>
@@ -4296,19 +4184,7 @@
                 <a:cs typeface="Lato"/>
                 <a:sym typeface="Lato"/>
               </a:rPr>
-              <a:t>•Basic w</a:t>
-            </a:r>
-            <a:r>
-              <a:rPr lang="en-US" sz="2999" spc="-59">
-                <a:solidFill>
-                  <a:srgbClr val="253439"/>
-                </a:solidFill>
-                <a:latin typeface="Lato"/>
-                <a:ea typeface="Lato"/>
-                <a:cs typeface="Lato"/>
-                <a:sym typeface="Lato"/>
-              </a:rPr>
-              <a:t>orkflow or system flow</a:t>
+              <a:t>•Basic workflow or system flow</a:t>
             </a:r>
           </a:p>
           <a:p>
@@ -4355,56 +4231,17 @@
                 <a:spcPts val="5789"/>
               </a:lnSpc>
             </a:pPr>
-          </a:p>
-        </p:txBody>
-      </p:sp>
-      <p:sp>
-        <p:nvSpPr>
-          <p:cNvPr name="Freeform 4" id="4"/>
-          <p:cNvSpPr/>
-          <p:nvPr/>
-        </p:nvSpPr>
-        <p:spPr>
-          <a:xfrm flipH="false" flipV="false" rot="0">
-            <a:off x="6825531" y="3400770"/>
-            <a:ext cx="4636939" cy="4630698"/>
-          </a:xfrm>
-          <a:custGeom>
-            <a:avLst/>
-            <a:gdLst/>
-            <a:ahLst/>
-            <a:cxnLst/>
-            <a:rect r="r" b="b" t="t" l="l"/>
-            <a:pathLst>
-              <a:path h="4630698" w="4636939">
-                <a:moveTo>
-                  <a:pt x="0" y="0"/>
-                </a:moveTo>
-                <a:lnTo>
-                  <a:pt x="4636938" y="0"/>
-                </a:lnTo>
-                <a:lnTo>
-                  <a:pt x="4636938" y="4630698"/>
-                </a:lnTo>
-                <a:lnTo>
-                  <a:pt x="0" y="4630698"/>
-                </a:lnTo>
-                <a:lnTo>
-                  <a:pt x="0" y="0"/>
-                </a:lnTo>
-                <a:close/>
-              </a:path>
-            </a:pathLst>
-          </a:custGeom>
-          <a:blipFill>
-            <a:blip r:embed="rId2">
-              <a:alphaModFix amt="15000"/>
-            </a:blip>
-            <a:stretch>
-              <a:fillRect l="0" t="0" r="0" b="0"/>
-            </a:stretch>
-          </a:blipFill>
-        </p:spPr>
+            <a:endParaRPr lang="en-US" sz="2999" spc="-59">
+              <a:solidFill>
+                <a:srgbClr val="253439"/>
+              </a:solidFill>
+              <a:latin typeface="Lato"/>
+              <a:ea typeface="Lato"/>
+              <a:cs typeface="Lato"/>
+              <a:sym typeface="Lato"/>
+            </a:endParaRPr>
+          </a:p>
+        </p:txBody>
       </p:sp>
     </p:spTree>
   </p:cSld>
@@ -4415,13 +4252,14 @@
 </file>
 
 <file path=ppt/slides/slide6.xml><?xml version="1.0" encoding="utf-8"?>
-<p:sld xmlns:p="http://schemas.openxmlformats.org/presentationml/2006/main" xmlns:a="http://schemas.openxmlformats.org/drawingml/2006/main" xmlns:r="http://schemas.openxmlformats.org/officeDocument/2006/relationships">
+<p:sld xmlns:a="http://schemas.openxmlformats.org/drawingml/2006/main" xmlns:r="http://schemas.openxmlformats.org/officeDocument/2006/relationships" xmlns:p="http://schemas.openxmlformats.org/presentationml/2006/main">
   <p:cSld>
     <p:bg>
       <p:bgPr>
         <a:solidFill>
           <a:srgbClr val="F6F4F1"/>
         </a:solidFill>
+        <a:effectLst/>
       </p:bgPr>
     </p:bg>
     <p:spTree>
@@ -4440,12 +4278,12 @@
       </p:grpSpPr>
       <p:sp>
         <p:nvSpPr>
-          <p:cNvPr name="TextBox 2" id="2"/>
-          <p:cNvSpPr txBox="true"/>
+          <p:cNvPr id="2" name="TextBox 2"/>
+          <p:cNvSpPr txBox="1"/>
           <p:nvPr/>
         </p:nvSpPr>
         <p:spPr>
-          <a:xfrm rot="0">
+          <a:xfrm>
             <a:off x="1028700" y="1171575"/>
             <a:ext cx="6090065" cy="1069976"/>
           </a:xfrm>
@@ -4454,12 +4292,12 @@
           </a:prstGeom>
         </p:spPr>
         <p:txBody>
-          <a:bodyPr anchor="t" rtlCol="false" tIns="0" lIns="0" bIns="0" rIns="0">
+          <a:bodyPr lIns="0" tIns="0" rIns="0" bIns="0" rtlCol="0" anchor="t">
             <a:spAutoFit/>
           </a:bodyPr>
           <a:lstStyle/>
           <a:p>
-            <a:pPr algn="just" marL="0" indent="0" lvl="0">
+            <a:pPr marL="0" lvl="0" indent="0" algn="just">
               <a:lnSpc>
                 <a:spcPts val="8000"/>
               </a:lnSpc>
@@ -4484,12 +4322,12 @@
       </p:sp>
       <p:sp>
         <p:nvSpPr>
-          <p:cNvPr name="TextBox 3" id="3"/>
-          <p:cNvSpPr txBox="true"/>
+          <p:cNvPr id="3" name="TextBox 3"/>
+          <p:cNvSpPr txBox="1"/>
           <p:nvPr/>
         </p:nvSpPr>
         <p:spPr>
-          <a:xfrm rot="0">
+          <a:xfrm>
             <a:off x="605634" y="2650511"/>
             <a:ext cx="9551014" cy="2538421"/>
           </a:xfrm>
@@ -4498,7 +4336,7 @@
           </a:prstGeom>
         </p:spPr>
         <p:txBody>
-          <a:bodyPr anchor="t" rtlCol="false" tIns="0" lIns="0" bIns="0" rIns="0">
+          <a:bodyPr lIns="0" tIns="0" rIns="0" bIns="0" rtlCol="0" anchor="t">
             <a:spAutoFit/>
           </a:bodyPr>
           <a:lstStyle/>
@@ -4518,19 +4356,7 @@
                 <a:cs typeface="Lato"/>
                 <a:sym typeface="Lato"/>
               </a:rPr>
-              <a:t> </a:t>
-            </a:r>
-            <a:r>
-              <a:rPr lang="en-US" sz="3957" spc="-79">
-                <a:solidFill>
-                  <a:srgbClr val="253439"/>
-                </a:solidFill>
-                <a:latin typeface="Lato"/>
-                <a:ea typeface="Lato"/>
-                <a:cs typeface="Lato"/>
-                <a:sym typeface="Lato"/>
-              </a:rPr>
-              <a:t>•Brief explanation of the proposed solution</a:t>
+              <a:t> •Brief explanation of the proposed solution</a:t>
             </a:r>
           </a:p>
           <a:p>
@@ -4558,56 +4384,17 @@
                 <a:spcPts val="6886"/>
               </a:lnSpc>
             </a:pPr>
-          </a:p>
-        </p:txBody>
-      </p:sp>
-      <p:sp>
-        <p:nvSpPr>
-          <p:cNvPr name="Freeform 4" id="4"/>
-          <p:cNvSpPr/>
-          <p:nvPr/>
-        </p:nvSpPr>
-        <p:spPr>
-          <a:xfrm flipH="false" flipV="false" rot="0">
-            <a:off x="6825531" y="3400770"/>
-            <a:ext cx="4636939" cy="4630698"/>
-          </a:xfrm>
-          <a:custGeom>
-            <a:avLst/>
-            <a:gdLst/>
-            <a:ahLst/>
-            <a:cxnLst/>
-            <a:rect r="r" b="b" t="t" l="l"/>
-            <a:pathLst>
-              <a:path h="4630698" w="4636939">
-                <a:moveTo>
-                  <a:pt x="0" y="0"/>
-                </a:moveTo>
-                <a:lnTo>
-                  <a:pt x="4636938" y="0"/>
-                </a:lnTo>
-                <a:lnTo>
-                  <a:pt x="4636938" y="4630698"/>
-                </a:lnTo>
-                <a:lnTo>
-                  <a:pt x="0" y="4630698"/>
-                </a:lnTo>
-                <a:lnTo>
-                  <a:pt x="0" y="0"/>
-                </a:lnTo>
-                <a:close/>
-              </a:path>
-            </a:pathLst>
-          </a:custGeom>
-          <a:blipFill>
-            <a:blip r:embed="rId2">
-              <a:alphaModFix amt="15000"/>
-            </a:blip>
-            <a:stretch>
-              <a:fillRect l="0" t="0" r="0" b="0"/>
-            </a:stretch>
-          </a:blipFill>
-        </p:spPr>
+            <a:endParaRPr lang="en-US" sz="3957" spc="-79">
+              <a:solidFill>
+                <a:srgbClr val="253439"/>
+              </a:solidFill>
+              <a:latin typeface="Lato"/>
+              <a:ea typeface="Lato"/>
+              <a:cs typeface="Lato"/>
+              <a:sym typeface="Lato"/>
+            </a:endParaRPr>
+          </a:p>
+        </p:txBody>
       </p:sp>
     </p:spTree>
   </p:cSld>
@@ -4618,13 +4405,14 @@
 </file>
 
 <file path=ppt/slides/slide7.xml><?xml version="1.0" encoding="utf-8"?>
-<p:sld xmlns:p="http://schemas.openxmlformats.org/presentationml/2006/main" xmlns:a="http://schemas.openxmlformats.org/drawingml/2006/main" xmlns:r="http://schemas.openxmlformats.org/officeDocument/2006/relationships">
+<p:sld xmlns:a="http://schemas.openxmlformats.org/drawingml/2006/main" xmlns:r="http://schemas.openxmlformats.org/officeDocument/2006/relationships" xmlns:p="http://schemas.openxmlformats.org/presentationml/2006/main">
   <p:cSld>
     <p:bg>
       <p:bgPr>
         <a:solidFill>
           <a:srgbClr val="F6F4F1"/>
         </a:solidFill>
+        <a:effectLst/>
       </p:bgPr>
     </p:bg>
     <p:spTree>
@@ -4643,12 +4431,12 @@
       </p:grpSpPr>
       <p:sp>
         <p:nvSpPr>
-          <p:cNvPr name="TextBox 2" id="2"/>
-          <p:cNvSpPr txBox="true"/>
+          <p:cNvPr id="2" name="TextBox 2"/>
+          <p:cNvSpPr txBox="1"/>
           <p:nvPr/>
         </p:nvSpPr>
         <p:spPr>
-          <a:xfrm rot="0">
+          <a:xfrm>
             <a:off x="1028700" y="875026"/>
             <a:ext cx="6090065" cy="1069976"/>
           </a:xfrm>
@@ -4657,12 +4445,12 @@
           </a:prstGeom>
         </p:spPr>
         <p:txBody>
-          <a:bodyPr anchor="t" rtlCol="false" tIns="0" lIns="0" bIns="0" rIns="0">
+          <a:bodyPr lIns="0" tIns="0" rIns="0" bIns="0" rtlCol="0" anchor="t">
             <a:spAutoFit/>
           </a:bodyPr>
           <a:lstStyle/>
           <a:p>
-            <a:pPr algn="just" marL="0" indent="0" lvl="0">
+            <a:pPr marL="0" lvl="0" indent="0" algn="just">
               <a:lnSpc>
                 <a:spcPts val="8000"/>
               </a:lnSpc>
@@ -4680,19 +4468,19 @@
                 <a:cs typeface="Lato"/>
                 <a:sym typeface="Lato"/>
               </a:rPr>
-              <a:t>Uniquness</a:t>
-            </a:r>
-          </a:p>
-        </p:txBody>
-      </p:sp>
-      <p:sp>
-        <p:nvSpPr>
-          <p:cNvPr name="TextBox 3" id="3"/>
-          <p:cNvSpPr txBox="true"/>
+              <a:t>Uniqueness</a:t>
+            </a:r>
+          </a:p>
+        </p:txBody>
+      </p:sp>
+      <p:sp>
+        <p:nvSpPr>
+          <p:cNvPr id="3" name="TextBox 3"/>
+          <p:cNvSpPr txBox="1"/>
           <p:nvPr/>
         </p:nvSpPr>
         <p:spPr>
-          <a:xfrm rot="0">
+          <a:xfrm>
             <a:off x="1028700" y="1744977"/>
             <a:ext cx="9551014" cy="3408358"/>
           </a:xfrm>
@@ -4701,7 +4489,7 @@
           </a:prstGeom>
         </p:spPr>
         <p:txBody>
-          <a:bodyPr anchor="t" rtlCol="false" tIns="0" lIns="0" bIns="0" rIns="0">
+          <a:bodyPr lIns="0" tIns="0" rIns="0" bIns="0" rtlCol="0" anchor="t">
             <a:spAutoFit/>
           </a:bodyPr>
           <a:lstStyle/>
@@ -4749,6 +4537,15 @@
                 <a:spcPts val="6886"/>
               </a:lnSpc>
             </a:pPr>
+            <a:endParaRPr lang="en-US" sz="3957" spc="-79">
+              <a:solidFill>
+                <a:srgbClr val="253439"/>
+              </a:solidFill>
+              <a:latin typeface="Lato"/>
+              <a:ea typeface="Lato"/>
+              <a:cs typeface="Lato"/>
+              <a:sym typeface="Lato"/>
+            </a:endParaRPr>
           </a:p>
           <a:p>
             <a:pPr algn="ctr">
@@ -4756,56 +4553,17 @@
                 <a:spcPts val="6886"/>
               </a:lnSpc>
             </a:pPr>
-          </a:p>
-        </p:txBody>
-      </p:sp>
-      <p:sp>
-        <p:nvSpPr>
-          <p:cNvPr name="Freeform 4" id="4"/>
-          <p:cNvSpPr/>
-          <p:nvPr/>
-        </p:nvSpPr>
-        <p:spPr>
-          <a:xfrm flipH="false" flipV="false" rot="0">
-            <a:off x="6825531" y="3400770"/>
-            <a:ext cx="4636939" cy="4630698"/>
-          </a:xfrm>
-          <a:custGeom>
-            <a:avLst/>
-            <a:gdLst/>
-            <a:ahLst/>
-            <a:cxnLst/>
-            <a:rect r="r" b="b" t="t" l="l"/>
-            <a:pathLst>
-              <a:path h="4630698" w="4636939">
-                <a:moveTo>
-                  <a:pt x="0" y="0"/>
-                </a:moveTo>
-                <a:lnTo>
-                  <a:pt x="4636938" y="0"/>
-                </a:lnTo>
-                <a:lnTo>
-                  <a:pt x="4636938" y="4630698"/>
-                </a:lnTo>
-                <a:lnTo>
-                  <a:pt x="0" y="4630698"/>
-                </a:lnTo>
-                <a:lnTo>
-                  <a:pt x="0" y="0"/>
-                </a:lnTo>
-                <a:close/>
-              </a:path>
-            </a:pathLst>
-          </a:custGeom>
-          <a:blipFill>
-            <a:blip r:embed="rId2">
-              <a:alphaModFix amt="15000"/>
-            </a:blip>
-            <a:stretch>
-              <a:fillRect l="0" t="0" r="0" b="0"/>
-            </a:stretch>
-          </a:blipFill>
-        </p:spPr>
+            <a:endParaRPr lang="en-US" sz="3957" spc="-79">
+              <a:solidFill>
+                <a:srgbClr val="253439"/>
+              </a:solidFill>
+              <a:latin typeface="Lato"/>
+              <a:ea typeface="Lato"/>
+              <a:cs typeface="Lato"/>
+              <a:sym typeface="Lato"/>
+            </a:endParaRPr>
+          </a:p>
+        </p:txBody>
       </p:sp>
     </p:spTree>
   </p:cSld>
@@ -4816,13 +4574,14 @@
 </file>
 
 <file path=ppt/slides/slide8.xml><?xml version="1.0" encoding="utf-8"?>
-<p:sld xmlns:p="http://schemas.openxmlformats.org/presentationml/2006/main" xmlns:a="http://schemas.openxmlformats.org/drawingml/2006/main" xmlns:r="http://schemas.openxmlformats.org/officeDocument/2006/relationships">
+<p:sld xmlns:a="http://schemas.openxmlformats.org/drawingml/2006/main" xmlns:r="http://schemas.openxmlformats.org/officeDocument/2006/relationships" xmlns:p="http://schemas.openxmlformats.org/presentationml/2006/main">
   <p:cSld>
     <p:bg>
       <p:bgPr>
         <a:solidFill>
           <a:srgbClr val="F6F4F1"/>
         </a:solidFill>
+        <a:effectLst/>
       </p:bgPr>
     </p:bg>
     <p:spTree>
@@ -4841,12 +4600,12 @@
       </p:grpSpPr>
       <p:sp>
         <p:nvSpPr>
-          <p:cNvPr name="TextBox 2" id="2"/>
-          <p:cNvSpPr txBox="true"/>
+          <p:cNvPr id="2" name="TextBox 2"/>
+          <p:cNvSpPr txBox="1"/>
           <p:nvPr/>
         </p:nvSpPr>
         <p:spPr>
-          <a:xfrm rot="0">
+          <a:xfrm>
             <a:off x="1028700" y="1171575"/>
             <a:ext cx="14203723" cy="1069976"/>
           </a:xfrm>
@@ -4855,12 +4614,12 @@
           </a:prstGeom>
         </p:spPr>
         <p:txBody>
-          <a:bodyPr anchor="t" rtlCol="false" tIns="0" lIns="0" bIns="0" rIns="0">
+          <a:bodyPr lIns="0" tIns="0" rIns="0" bIns="0" rtlCol="0" anchor="t">
             <a:spAutoFit/>
           </a:bodyPr>
           <a:lstStyle/>
           <a:p>
-            <a:pPr algn="just" marL="0" indent="0" lvl="0">
+            <a:pPr marL="0" lvl="0" indent="0" algn="just">
               <a:lnSpc>
                 <a:spcPts val="8000"/>
               </a:lnSpc>
@@ -4885,12 +4644,12 @@
       </p:sp>
       <p:sp>
         <p:nvSpPr>
-          <p:cNvPr name="TextBox 3" id="3"/>
-          <p:cNvSpPr txBox="true"/>
+          <p:cNvPr id="3" name="TextBox 3"/>
+          <p:cNvSpPr txBox="1"/>
           <p:nvPr/>
         </p:nvSpPr>
         <p:spPr>
-          <a:xfrm rot="0">
+          <a:xfrm>
             <a:off x="1028700" y="2711905"/>
             <a:ext cx="9495286" cy="3536445"/>
           </a:xfrm>
@@ -4899,7 +4658,7 @@
           </a:prstGeom>
         </p:spPr>
         <p:txBody>
-          <a:bodyPr anchor="t" rtlCol="false" tIns="0" lIns="0" bIns="0" rIns="0">
+          <a:bodyPr lIns="0" tIns="0" rIns="0" bIns="0" rtlCol="0" anchor="t">
             <a:spAutoFit/>
           </a:bodyPr>
           <a:lstStyle/>
@@ -4910,7 +4669,7 @@
               </a:lnSpc>
             </a:pPr>
             <a:r>
-              <a:rPr lang="en-US" sz="3299" spc="-65" b="true">
+              <a:rPr lang="en-US" sz="3299" b="1" spc="-65">
                 <a:solidFill>
                   <a:srgbClr val="253439"/>
                 </a:solidFill>
@@ -4938,19 +4697,7 @@
                 <a:cs typeface="Lato"/>
                 <a:sym typeface="Lato"/>
               </a:rPr>
-              <a:t>•Who will benefit fr</a:t>
-            </a:r>
-            <a:r>
-              <a:rPr lang="en-US" sz="2999" spc="-59">
-                <a:solidFill>
-                  <a:srgbClr val="253439"/>
-                </a:solidFill>
-                <a:latin typeface="Lato"/>
-                <a:ea typeface="Lato"/>
-                <a:cs typeface="Lato"/>
-                <a:sym typeface="Lato"/>
-              </a:rPr>
-              <a:t>om this solution?</a:t>
+              <a:t>•Who will benefit from this solution?</a:t>
             </a:r>
           </a:p>
           <a:p>
@@ -4997,56 +4744,17 @@
                 <a:spcPts val="5579"/>
               </a:lnSpc>
             </a:pPr>
-          </a:p>
-        </p:txBody>
-      </p:sp>
-      <p:sp>
-        <p:nvSpPr>
-          <p:cNvPr name="Freeform 4" id="4"/>
-          <p:cNvSpPr/>
-          <p:nvPr/>
-        </p:nvSpPr>
-        <p:spPr>
-          <a:xfrm flipH="false" flipV="false" rot="0">
-            <a:off x="6825531" y="3400770"/>
-            <a:ext cx="4636939" cy="4630698"/>
-          </a:xfrm>
-          <a:custGeom>
-            <a:avLst/>
-            <a:gdLst/>
-            <a:ahLst/>
-            <a:cxnLst/>
-            <a:rect r="r" b="b" t="t" l="l"/>
-            <a:pathLst>
-              <a:path h="4630698" w="4636939">
-                <a:moveTo>
-                  <a:pt x="0" y="0"/>
-                </a:moveTo>
-                <a:lnTo>
-                  <a:pt x="4636938" y="0"/>
-                </a:lnTo>
-                <a:lnTo>
-                  <a:pt x="4636938" y="4630698"/>
-                </a:lnTo>
-                <a:lnTo>
-                  <a:pt x="0" y="4630698"/>
-                </a:lnTo>
-                <a:lnTo>
-                  <a:pt x="0" y="0"/>
-                </a:lnTo>
-                <a:close/>
-              </a:path>
-            </a:pathLst>
-          </a:custGeom>
-          <a:blipFill>
-            <a:blip r:embed="rId2">
-              <a:alphaModFix amt="15000"/>
-            </a:blip>
-            <a:stretch>
-              <a:fillRect l="0" t="0" r="0" b="0"/>
-            </a:stretch>
-          </a:blipFill>
-        </p:spPr>
+            <a:endParaRPr lang="en-US" sz="2999" spc="-59">
+              <a:solidFill>
+                <a:srgbClr val="253439"/>
+              </a:solidFill>
+              <a:latin typeface="Lato"/>
+              <a:ea typeface="Lato"/>
+              <a:cs typeface="Lato"/>
+              <a:sym typeface="Lato"/>
+            </a:endParaRPr>
+          </a:p>
+        </p:txBody>
       </p:sp>
     </p:spTree>
   </p:cSld>
